--- a/The Metropolitan Museum of Art.pptx
+++ b/The Metropolitan Museum of Art.pptx
@@ -9,14 +9,14 @@
     <p:sldId id="257" r:id="rId3"/>
     <p:sldId id="258" r:id="rId4"/>
     <p:sldId id="259" r:id="rId5"/>
-    <p:sldId id="262" r:id="rId6"/>
-    <p:sldId id="263" r:id="rId7"/>
-    <p:sldId id="261" r:id="rId8"/>
-    <p:sldId id="267" r:id="rId9"/>
-    <p:sldId id="264" r:id="rId10"/>
-    <p:sldId id="266" r:id="rId11"/>
-    <p:sldId id="265" r:id="rId12"/>
-    <p:sldId id="260" r:id="rId13"/>
+    <p:sldId id="263" r:id="rId6"/>
+    <p:sldId id="260" r:id="rId7"/>
+    <p:sldId id="262" r:id="rId8"/>
+    <p:sldId id="261" r:id="rId9"/>
+    <p:sldId id="267" r:id="rId10"/>
+    <p:sldId id="264" r:id="rId11"/>
+    <p:sldId id="266" r:id="rId12"/>
+    <p:sldId id="265" r:id="rId13"/>
     <p:sldId id="268" r:id="rId14"/>
     <p:sldId id="269" r:id="rId15"/>
   </p:sldIdLst>
@@ -3514,8 +3514,8 @@
           <a:lstStyle/>
           <a:p>
             <a:r>
-              <a:rPr lang="en-US" sz="3600" dirty="0"/>
-              <a:t>Select Countries: Nigeria Breakdown by Object Type</a:t>
+              <a:rPr lang="en-US" sz="4000" dirty="0"/>
+              <a:t>Select Countries: Japan Breakdown by Object Type</a:t>
             </a:r>
           </a:p>
         </p:txBody>
@@ -3544,20 +3544,21 @@
               </a:ext>
             </a:extLst>
           </a:blip>
-          <a:srcRect/>
-          <a:stretch/>
+          <a:stretch>
+            <a:fillRect/>
+          </a:stretch>
         </p:blipFill>
         <p:spPr>
           <a:xfrm>
-            <a:off x="2941924" y="1687455"/>
-            <a:ext cx="5269059" cy="5173778"/>
+            <a:off x="2358736" y="1684222"/>
+            <a:ext cx="6435436" cy="5173778"/>
           </a:xfrm>
         </p:spPr>
       </p:pic>
     </p:spTree>
     <p:extLst>
       <p:ext uri="{BB962C8B-B14F-4D97-AF65-F5344CB8AC3E}">
-        <p14:creationId xmlns:p14="http://schemas.microsoft.com/office/powerpoint/2010/main" val="1207957710"/>
+        <p14:creationId xmlns:p14="http://schemas.microsoft.com/office/powerpoint/2010/main" val="3165494617"/>
       </p:ext>
     </p:extLst>
   </p:cSld>
@@ -3617,7 +3618,7 @@
           <a:p>
             <a:r>
               <a:rPr lang="en-US" sz="3600" dirty="0"/>
-              <a:t>Select Countries: Germany Breakdown by Object Type</a:t>
+              <a:t>Select Countries: Nigeria Breakdown by Object Type</a:t>
             </a:r>
           </a:p>
         </p:txBody>
@@ -3651,15 +3652,15 @@
         </p:blipFill>
         <p:spPr>
           <a:xfrm>
-            <a:off x="2607031" y="1684222"/>
-            <a:ext cx="5938846" cy="5173778"/>
+            <a:off x="2941924" y="1687455"/>
+            <a:ext cx="5269059" cy="5173778"/>
           </a:xfrm>
         </p:spPr>
       </p:pic>
     </p:spTree>
     <p:extLst>
       <p:ext uri="{BB962C8B-B14F-4D97-AF65-F5344CB8AC3E}">
-        <p14:creationId xmlns:p14="http://schemas.microsoft.com/office/powerpoint/2010/main" val="1719819917"/>
+        <p14:creationId xmlns:p14="http://schemas.microsoft.com/office/powerpoint/2010/main" val="1207957710"/>
       </p:ext>
     </p:extLst>
   </p:cSld>
@@ -3712,22 +3713,24 @@
         </p:nvSpPr>
         <p:spPr/>
         <p:txBody>
-          <a:bodyPr/>
-          <a:lstStyle/>
-          <a:p>
-            <a:r>
-              <a:rPr lang="en-US" dirty="0"/>
-              <a:t>Top Ten Object Types</a:t>
+          <a:bodyPr>
+            <a:normAutofit/>
+          </a:bodyPr>
+          <a:lstStyle/>
+          <a:p>
+            <a:r>
+              <a:rPr lang="en-US" sz="3600" dirty="0"/>
+              <a:t>Select Countries: Germany Breakdown by Object Type</a:t>
             </a:r>
           </a:p>
         </p:txBody>
       </p:sp>
       <p:pic>
         <p:nvPicPr>
-          <p:cNvPr id="5" name="Content Placeholder 4">
-            <a:extLst>
-              <a:ext uri="{FF2B5EF4-FFF2-40B4-BE49-F238E27FC236}">
-                <a16:creationId xmlns:a16="http://schemas.microsoft.com/office/drawing/2014/main" id="{6EAECADF-1719-4B6A-B2A1-29105BD40D07}"/>
+          <p:cNvPr id="7" name="Content Placeholder 6">
+            <a:extLst>
+              <a:ext uri="{FF2B5EF4-FFF2-40B4-BE49-F238E27FC236}">
+                <a16:creationId xmlns:a16="http://schemas.microsoft.com/office/drawing/2014/main" id="{404C958D-46E2-4E55-95BD-3554D96E5E9B}"/>
               </a:ext>
             </a:extLst>
           </p:cNvPr>
@@ -3746,21 +3749,20 @@
               </a:ext>
             </a:extLst>
           </a:blip>
-          <a:stretch>
-            <a:fillRect/>
-          </a:stretch>
+          <a:srcRect/>
+          <a:stretch/>
         </p:blipFill>
         <p:spPr>
           <a:xfrm>
-            <a:off x="2421082" y="1551350"/>
-            <a:ext cx="7349836" cy="4899888"/>
+            <a:off x="2607031" y="1684222"/>
+            <a:ext cx="5938846" cy="5173778"/>
           </a:xfrm>
         </p:spPr>
       </p:pic>
     </p:spTree>
     <p:extLst>
       <p:ext uri="{BB962C8B-B14F-4D97-AF65-F5344CB8AC3E}">
-        <p14:creationId xmlns:p14="http://schemas.microsoft.com/office/powerpoint/2010/main" val="2657261464"/>
+        <p14:creationId xmlns:p14="http://schemas.microsoft.com/office/powerpoint/2010/main" val="1719819917"/>
       </p:ext>
     </p:extLst>
   </p:cSld>
@@ -3919,328 +3921,64 @@
           <a:p>
             <a:r>
               <a:rPr lang="en-US" dirty="0"/>
-              <a:t>Top Ten Patrons</a:t>
-            </a:r>
-          </a:p>
-        </p:txBody>
-      </p:sp>
-      <p:graphicFrame>
-        <p:nvGraphicFramePr>
-          <p:cNvPr id="3" name="Table 4">
-            <a:extLst>
-              <a:ext uri="{FF2B5EF4-FFF2-40B4-BE49-F238E27FC236}">
-                <a16:creationId xmlns:a16="http://schemas.microsoft.com/office/drawing/2014/main" id="{F4E15C8A-6511-44E7-83D6-0BA4B88AD3AB}"/>
-              </a:ext>
-            </a:extLst>
-          </p:cNvPr>
-          <p:cNvGraphicFramePr>
-            <a:graphicFrameLocks noGrp="1"/>
-          </p:cNvGraphicFramePr>
+              <a:t>Conclusions</a:t>
+            </a:r>
+          </a:p>
+        </p:txBody>
+      </p:sp>
+      <p:sp>
+        <p:nvSpPr>
+          <p:cNvPr id="5" name="Content Placeholder 4">
+            <a:extLst>
+              <a:ext uri="{FF2B5EF4-FFF2-40B4-BE49-F238E27FC236}">
+                <a16:creationId xmlns:a16="http://schemas.microsoft.com/office/drawing/2014/main" id="{17F7C038-F037-4634-8E30-710CB8EAB38C}"/>
+              </a:ext>
+            </a:extLst>
+          </p:cNvPr>
+          <p:cNvSpPr>
+            <a:spLocks noGrp="1"/>
+          </p:cNvSpPr>
           <p:nvPr>
             <p:ph idx="1"/>
-            <p:extLst>
-              <p:ext uri="{D42A27DB-BD31-4B8C-83A1-F6EECF244321}">
-                <p14:modId xmlns:p14="http://schemas.microsoft.com/office/powerpoint/2010/main" val="1468973411"/>
-              </p:ext>
-            </p:extLst>
-          </p:nvPr>
-        </p:nvGraphicFramePr>
-        <p:xfrm>
-          <a:off x="838200" y="1825625"/>
-          <a:ext cx="10515597" cy="2595880"/>
-        </p:xfrm>
-        <a:graphic>
-          <a:graphicData uri="http://schemas.openxmlformats.org/drawingml/2006/table">
-            <a:tbl>
-              <a:tblPr firstRow="1" bandRow="1">
-                <a:tableStyleId>{5C22544A-7EE6-4342-B048-85BDC9FD1C3A}</a:tableStyleId>
-              </a:tblPr>
-              <a:tblGrid>
-                <a:gridCol w="3505199">
-                  <a:extLst>
-                    <a:ext uri="{9D8B030D-6E8A-4147-A177-3AD203B41FA5}">
-                      <a16:colId xmlns:a16="http://schemas.microsoft.com/office/drawing/2014/main" val="64326433"/>
-                    </a:ext>
-                  </a:extLst>
-                </a:gridCol>
-                <a:gridCol w="3505199">
-                  <a:extLst>
-                    <a:ext uri="{9D8B030D-6E8A-4147-A177-3AD203B41FA5}">
-                      <a16:colId xmlns:a16="http://schemas.microsoft.com/office/drawing/2014/main" val="3582847510"/>
-                    </a:ext>
-                  </a:extLst>
-                </a:gridCol>
-                <a:gridCol w="3505199">
-                  <a:extLst>
-                    <a:ext uri="{9D8B030D-6E8A-4147-A177-3AD203B41FA5}">
-                      <a16:colId xmlns:a16="http://schemas.microsoft.com/office/drawing/2014/main" val="2744218016"/>
-                    </a:ext>
-                  </a:extLst>
-                </a:gridCol>
-              </a:tblGrid>
-              <a:tr h="370840">
-                <a:tc>
-                  <a:txBody>
-                    <a:bodyPr/>
-                    <a:lstStyle/>
-                    <a:p>
-                      <a:endParaRPr lang="en-US"/>
-                    </a:p>
-                  </a:txBody>
-                  <a:tcPr/>
-                </a:tc>
-                <a:tc>
-                  <a:txBody>
-                    <a:bodyPr/>
-                    <a:lstStyle/>
-                    <a:p>
-                      <a:endParaRPr lang="en-US"/>
-                    </a:p>
-                  </a:txBody>
-                  <a:tcPr/>
-                </a:tc>
-                <a:tc>
-                  <a:txBody>
-                    <a:bodyPr/>
-                    <a:lstStyle/>
-                    <a:p>
-                      <a:endParaRPr lang="en-US" dirty="0"/>
-                    </a:p>
-                  </a:txBody>
-                  <a:tcPr/>
-                </a:tc>
-                <a:extLst>
-                  <a:ext uri="{0D108BD9-81ED-4DB2-BD59-A6C34878D82A}">
-                    <a16:rowId xmlns:a16="http://schemas.microsoft.com/office/drawing/2014/main" val="2284538051"/>
-                  </a:ext>
-                </a:extLst>
-              </a:tr>
-              <a:tr h="370840">
-                <a:tc>
-                  <a:txBody>
-                    <a:bodyPr/>
-                    <a:lstStyle/>
-                    <a:p>
-                      <a:endParaRPr lang="en-US" dirty="0"/>
-                    </a:p>
-                  </a:txBody>
-                  <a:tcPr/>
-                </a:tc>
-                <a:tc>
-                  <a:txBody>
-                    <a:bodyPr/>
-                    <a:lstStyle/>
-                    <a:p>
-                      <a:endParaRPr lang="en-US"/>
-                    </a:p>
-                  </a:txBody>
-                  <a:tcPr/>
-                </a:tc>
-                <a:tc>
-                  <a:txBody>
-                    <a:bodyPr/>
-                    <a:lstStyle/>
-                    <a:p>
-                      <a:endParaRPr lang="en-US"/>
-                    </a:p>
-                  </a:txBody>
-                  <a:tcPr/>
-                </a:tc>
-                <a:extLst>
-                  <a:ext uri="{0D108BD9-81ED-4DB2-BD59-A6C34878D82A}">
-                    <a16:rowId xmlns:a16="http://schemas.microsoft.com/office/drawing/2014/main" val="3596396558"/>
-                  </a:ext>
-                </a:extLst>
-              </a:tr>
-              <a:tr h="370840">
-                <a:tc>
-                  <a:txBody>
-                    <a:bodyPr/>
-                    <a:lstStyle/>
-                    <a:p>
-                      <a:endParaRPr lang="en-US" dirty="0"/>
-                    </a:p>
-                  </a:txBody>
-                  <a:tcPr/>
-                </a:tc>
-                <a:tc>
-                  <a:txBody>
-                    <a:bodyPr/>
-                    <a:lstStyle/>
-                    <a:p>
-                      <a:endParaRPr lang="en-US"/>
-                    </a:p>
-                  </a:txBody>
-                  <a:tcPr/>
-                </a:tc>
-                <a:tc>
-                  <a:txBody>
-                    <a:bodyPr/>
-                    <a:lstStyle/>
-                    <a:p>
-                      <a:endParaRPr lang="en-US"/>
-                    </a:p>
-                  </a:txBody>
-                  <a:tcPr/>
-                </a:tc>
-                <a:extLst>
-                  <a:ext uri="{0D108BD9-81ED-4DB2-BD59-A6C34878D82A}">
-                    <a16:rowId xmlns:a16="http://schemas.microsoft.com/office/drawing/2014/main" val="1144320155"/>
-                  </a:ext>
-                </a:extLst>
-              </a:tr>
-              <a:tr h="370840">
-                <a:tc>
-                  <a:txBody>
-                    <a:bodyPr/>
-                    <a:lstStyle/>
-                    <a:p>
-                      <a:endParaRPr lang="en-US"/>
-                    </a:p>
-                  </a:txBody>
-                  <a:tcPr/>
-                </a:tc>
-                <a:tc>
-                  <a:txBody>
-                    <a:bodyPr/>
-                    <a:lstStyle/>
-                    <a:p>
-                      <a:endParaRPr lang="en-US"/>
-                    </a:p>
-                  </a:txBody>
-                  <a:tcPr/>
-                </a:tc>
-                <a:tc>
-                  <a:txBody>
-                    <a:bodyPr/>
-                    <a:lstStyle/>
-                    <a:p>
-                      <a:endParaRPr lang="en-US"/>
-                    </a:p>
-                  </a:txBody>
-                  <a:tcPr/>
-                </a:tc>
-                <a:extLst>
-                  <a:ext uri="{0D108BD9-81ED-4DB2-BD59-A6C34878D82A}">
-                    <a16:rowId xmlns:a16="http://schemas.microsoft.com/office/drawing/2014/main" val="3611774774"/>
-                  </a:ext>
-                </a:extLst>
-              </a:tr>
-              <a:tr h="370840">
-                <a:tc>
-                  <a:txBody>
-                    <a:bodyPr/>
-                    <a:lstStyle/>
-                    <a:p>
-                      <a:endParaRPr lang="en-US"/>
-                    </a:p>
-                  </a:txBody>
-                  <a:tcPr/>
-                </a:tc>
-                <a:tc>
-                  <a:txBody>
-                    <a:bodyPr/>
-                    <a:lstStyle/>
-                    <a:p>
-                      <a:endParaRPr lang="en-US"/>
-                    </a:p>
-                  </a:txBody>
-                  <a:tcPr/>
-                </a:tc>
-                <a:tc>
-                  <a:txBody>
-                    <a:bodyPr/>
-                    <a:lstStyle/>
-                    <a:p>
-                      <a:endParaRPr lang="en-US"/>
-                    </a:p>
-                  </a:txBody>
-                  <a:tcPr/>
-                </a:tc>
-                <a:extLst>
-                  <a:ext uri="{0D108BD9-81ED-4DB2-BD59-A6C34878D82A}">
-                    <a16:rowId xmlns:a16="http://schemas.microsoft.com/office/drawing/2014/main" val="406875899"/>
-                  </a:ext>
-                </a:extLst>
-              </a:tr>
-              <a:tr h="370840">
-                <a:tc>
-                  <a:txBody>
-                    <a:bodyPr/>
-                    <a:lstStyle/>
-                    <a:p>
-                      <a:endParaRPr lang="en-US"/>
-                    </a:p>
-                  </a:txBody>
-                  <a:tcPr/>
-                </a:tc>
-                <a:tc>
-                  <a:txBody>
-                    <a:bodyPr/>
-                    <a:lstStyle/>
-                    <a:p>
-                      <a:endParaRPr lang="en-US"/>
-                    </a:p>
-                  </a:txBody>
-                  <a:tcPr/>
-                </a:tc>
-                <a:tc>
-                  <a:txBody>
-                    <a:bodyPr/>
-                    <a:lstStyle/>
-                    <a:p>
-                      <a:endParaRPr lang="en-US"/>
-                    </a:p>
-                  </a:txBody>
-                  <a:tcPr/>
-                </a:tc>
-                <a:extLst>
-                  <a:ext uri="{0D108BD9-81ED-4DB2-BD59-A6C34878D82A}">
-                    <a16:rowId xmlns:a16="http://schemas.microsoft.com/office/drawing/2014/main" val="437030295"/>
-                  </a:ext>
-                </a:extLst>
-              </a:tr>
-              <a:tr h="370840">
-                <a:tc>
-                  <a:txBody>
-                    <a:bodyPr/>
-                    <a:lstStyle/>
-                    <a:p>
-                      <a:endParaRPr lang="en-US"/>
-                    </a:p>
-                  </a:txBody>
-                  <a:tcPr/>
-                </a:tc>
-                <a:tc>
-                  <a:txBody>
-                    <a:bodyPr/>
-                    <a:lstStyle/>
-                    <a:p>
-                      <a:endParaRPr lang="en-US"/>
-                    </a:p>
-                  </a:txBody>
-                  <a:tcPr/>
-                </a:tc>
-                <a:tc>
-                  <a:txBody>
-                    <a:bodyPr/>
-                    <a:lstStyle/>
-                    <a:p>
-                      <a:endParaRPr lang="en-US" dirty="0"/>
-                    </a:p>
-                  </a:txBody>
-                  <a:tcPr/>
-                </a:tc>
-                <a:extLst>
-                  <a:ext uri="{0D108BD9-81ED-4DB2-BD59-A6C34878D82A}">
-                    <a16:rowId xmlns:a16="http://schemas.microsoft.com/office/drawing/2014/main" val="4276572726"/>
-                  </a:ext>
-                </a:extLst>
-              </a:tr>
-            </a:tbl>
-          </a:graphicData>
-        </a:graphic>
-      </p:graphicFrame>
+          </p:nvPr>
+        </p:nvSpPr>
+        <p:spPr/>
+        <p:txBody>
+          <a:bodyPr/>
+          <a:lstStyle/>
+          <a:p>
+            <a:r>
+              <a:rPr lang="en-US" dirty="0"/>
+              <a:t>A more multi-indexed analysis would be necessary to more accurately represent the collection.</a:t>
+            </a:r>
+          </a:p>
+          <a:p>
+            <a:pPr lvl="1"/>
+            <a:r>
+              <a:rPr lang="en-US" dirty="0"/>
+              <a:t>It was observed that many records in the dataset were inconsistent possibly due to the objects life span and provenance.</a:t>
+            </a:r>
+          </a:p>
+          <a:p>
+            <a:r>
+              <a:rPr lang="en-US" dirty="0"/>
+              <a:t>The collection relies heavily on benefactors over actively acquiring objects itself.</a:t>
+            </a:r>
+          </a:p>
+          <a:p>
+            <a:r>
+              <a:rPr lang="en-US" dirty="0"/>
+              <a:t> Balanced representation of historical civilizations from across the globe.</a:t>
+            </a:r>
+          </a:p>
+          <a:p>
+            <a:r>
+              <a:rPr lang="en-US" dirty="0"/>
+              <a:t>The average number of objects from each benefactor is 8; the median is 1 and the largest was 2,319.</a:t>
+            </a:r>
+          </a:p>
+        </p:txBody>
+      </p:sp>
     </p:spTree>
     <p:extLst>
       <p:ext uri="{BB962C8B-B14F-4D97-AF65-F5344CB8AC3E}">
@@ -5224,7 +4962,7 @@
           <p:cNvPr id="2" name="Title 1">
             <a:extLst>
               <a:ext uri="{FF2B5EF4-FFF2-40B4-BE49-F238E27FC236}">
-                <a16:creationId xmlns:a16="http://schemas.microsoft.com/office/drawing/2014/main" id="{9225AD55-3C25-41C9-B645-47C7016AAE09}"/>
+                <a16:creationId xmlns:a16="http://schemas.microsoft.com/office/drawing/2014/main" id="{DA12FCDB-5857-42AE-9A87-D9369BF4B355}"/>
               </a:ext>
             </a:extLst>
           </p:cNvPr>
@@ -5242,34 +4980,85 @@
           <a:p>
             <a:r>
               <a:rPr lang="en-US" dirty="0"/>
-              <a:t>Heat Map of Countries</a:t>
+              <a:t>Number of Objects per Country</a:t>
             </a:r>
             <a:br>
               <a:rPr lang="en-US" dirty="0"/>
             </a:br>
-            <a:r>
-              <a:rPr lang="en-US" sz="2000" dirty="0"/>
-              <a:t>(number of objects)</a:t>
-            </a:r>
+            <a:endParaRPr lang="en-US" sz="1000" dirty="0"/>
+          </a:p>
+        </p:txBody>
+      </p:sp>
+      <p:sp>
+        <p:nvSpPr>
+          <p:cNvPr id="7" name="Content Placeholder 6">
+            <a:extLst>
+              <a:ext uri="{FF2B5EF4-FFF2-40B4-BE49-F238E27FC236}">
+                <a16:creationId xmlns:a16="http://schemas.microsoft.com/office/drawing/2014/main" id="{2E6ADED7-7347-4C29-857E-6344392EDBDB}"/>
+              </a:ext>
+            </a:extLst>
+          </p:cNvPr>
+          <p:cNvSpPr>
+            <a:spLocks noGrp="1"/>
+          </p:cNvSpPr>
+          <p:nvPr>
+            <p:ph idx="1"/>
+          </p:nvPr>
+        </p:nvSpPr>
+        <p:spPr/>
+        <p:txBody>
+          <a:bodyPr>
+            <a:normAutofit/>
+          </a:bodyPr>
+          <a:lstStyle/>
+          <a:p>
             <a:endParaRPr lang="en-US" dirty="0"/>
+          </a:p>
+          <a:p>
+            <a:endParaRPr lang="en-US" dirty="0"/>
+          </a:p>
+          <a:p>
+            <a:endParaRPr lang="en-US" dirty="0"/>
+          </a:p>
+          <a:p>
+            <a:endParaRPr lang="en-US" dirty="0"/>
+          </a:p>
+          <a:p>
+            <a:endParaRPr lang="en-US" dirty="0"/>
+          </a:p>
+          <a:p>
+            <a:endParaRPr lang="en-US" dirty="0"/>
+          </a:p>
+          <a:p>
+            <a:endParaRPr lang="en-US" dirty="0"/>
+          </a:p>
+          <a:p>
+            <a:endParaRPr lang="en-US" dirty="0"/>
+          </a:p>
+          <a:p>
+            <a:pPr marL="0" indent="0">
+              <a:buNone/>
+            </a:pPr>
+            <a:r>
+              <a:rPr lang="en-US" sz="1000" dirty="0"/>
+              <a:t>(United States removed for scaling)</a:t>
+            </a:r>
           </a:p>
         </p:txBody>
       </p:sp>
       <p:pic>
         <p:nvPicPr>
-          <p:cNvPr id="5" name="Content Placeholder 4">
-            <a:extLst>
-              <a:ext uri="{FF2B5EF4-FFF2-40B4-BE49-F238E27FC236}">
-                <a16:creationId xmlns:a16="http://schemas.microsoft.com/office/drawing/2014/main" id="{7ED40A56-187F-4F99-B572-53D08DE35B57}"/>
+          <p:cNvPr id="4" name="Picture 3">
+            <a:extLst>
+              <a:ext uri="{FF2B5EF4-FFF2-40B4-BE49-F238E27FC236}">
+                <a16:creationId xmlns:a16="http://schemas.microsoft.com/office/drawing/2014/main" id="{D294529F-A5EE-4FB0-BD9C-5A66E0F2BCCB}"/>
               </a:ext>
             </a:extLst>
           </p:cNvPr>
           <p:cNvPicPr>
-            <a:picLocks noGrp="1" noChangeAspect="1"/>
+            <a:picLocks noChangeAspect="1"/>
           </p:cNvPicPr>
-          <p:nvPr>
-            <p:ph idx="1"/>
-          </p:nvPr>
+          <p:nvPr/>
         </p:nvPicPr>
         <p:blipFill>
           <a:blip r:embed="rId2">
@@ -5285,15 +5074,18 @@
         </p:blipFill>
         <p:spPr>
           <a:xfrm>
-            <a:off x="80089" y="1647507"/>
-            <a:ext cx="12031822" cy="4707574"/>
+            <a:off x="608350" y="1599783"/>
+            <a:ext cx="10975300" cy="3658433"/>
           </a:xfrm>
+          <a:prstGeom prst="rect">
+            <a:avLst/>
+          </a:prstGeom>
         </p:spPr>
       </p:pic>
     </p:spTree>
     <p:extLst>
       <p:ext uri="{BB962C8B-B14F-4D97-AF65-F5344CB8AC3E}">
-        <p14:creationId xmlns:p14="http://schemas.microsoft.com/office/powerpoint/2010/main" val="1303035349"/>
+        <p14:creationId xmlns:p14="http://schemas.microsoft.com/office/powerpoint/2010/main" val="204801304"/>
       </p:ext>
     </p:extLst>
   </p:cSld>
@@ -5333,7 +5125,7 @@
           <p:cNvPr id="2" name="Title 1">
             <a:extLst>
               <a:ext uri="{FF2B5EF4-FFF2-40B4-BE49-F238E27FC236}">
-                <a16:creationId xmlns:a16="http://schemas.microsoft.com/office/drawing/2014/main" id="{DA12FCDB-5857-42AE-9A87-D9369BF4B355}"/>
+                <a16:creationId xmlns:a16="http://schemas.microsoft.com/office/drawing/2014/main" id="{555D1F26-F171-4F89-9348-D8380221C40B}"/>
               </a:ext>
             </a:extLst>
           </p:cNvPr>
@@ -5351,40 +5143,50 @@
           <a:p>
             <a:r>
               <a:rPr lang="en-US" dirty="0"/>
-              <a:t>Number of Objects per Country</a:t>
-            </a:r>
-          </a:p>
-        </p:txBody>
-      </p:sp>
-      <p:sp>
-        <p:nvSpPr>
-          <p:cNvPr id="7" name="Content Placeholder 6">
-            <a:extLst>
-              <a:ext uri="{FF2B5EF4-FFF2-40B4-BE49-F238E27FC236}">
-                <a16:creationId xmlns:a16="http://schemas.microsoft.com/office/drawing/2014/main" id="{2E6ADED7-7347-4C29-857E-6344392EDBDB}"/>
-              </a:ext>
-            </a:extLst>
-          </p:cNvPr>
-          <p:cNvSpPr>
-            <a:spLocks noGrp="1"/>
-          </p:cNvSpPr>
+              <a:t>Top Ten Object Types</a:t>
+            </a:r>
+          </a:p>
+        </p:txBody>
+      </p:sp>
+      <p:pic>
+        <p:nvPicPr>
+          <p:cNvPr id="5" name="Content Placeholder 4">
+            <a:extLst>
+              <a:ext uri="{FF2B5EF4-FFF2-40B4-BE49-F238E27FC236}">
+                <a16:creationId xmlns:a16="http://schemas.microsoft.com/office/drawing/2014/main" id="{6EAECADF-1719-4B6A-B2A1-29105BD40D07}"/>
+              </a:ext>
+            </a:extLst>
+          </p:cNvPr>
+          <p:cNvPicPr>
+            <a:picLocks noGrp="1" noChangeAspect="1"/>
+          </p:cNvPicPr>
           <p:nvPr>
             <p:ph idx="1"/>
           </p:nvPr>
-        </p:nvSpPr>
-        <p:spPr/>
-        <p:txBody>
-          <a:bodyPr/>
-          <a:lstStyle/>
-          <a:p>
-            <a:endParaRPr lang="en-US"/>
-          </a:p>
-        </p:txBody>
-      </p:sp>
+        </p:nvPicPr>
+        <p:blipFill>
+          <a:blip r:embed="rId2">
+            <a:extLst>
+              <a:ext uri="{28A0092B-C50C-407E-A947-70E740481C1C}">
+                <a14:useLocalDpi xmlns:a14="http://schemas.microsoft.com/office/drawing/2010/main" val="0"/>
+              </a:ext>
+            </a:extLst>
+          </a:blip>
+          <a:stretch>
+            <a:fillRect/>
+          </a:stretch>
+        </p:blipFill>
+        <p:spPr>
+          <a:xfrm>
+            <a:off x="2421082" y="1551350"/>
+            <a:ext cx="7349836" cy="4899888"/>
+          </a:xfrm>
+        </p:spPr>
+      </p:pic>
     </p:spTree>
     <p:extLst>
       <p:ext uri="{BB962C8B-B14F-4D97-AF65-F5344CB8AC3E}">
-        <p14:creationId xmlns:p14="http://schemas.microsoft.com/office/powerpoint/2010/main" val="204801304"/>
+        <p14:creationId xmlns:p14="http://schemas.microsoft.com/office/powerpoint/2010/main" val="2657261464"/>
       </p:ext>
     </p:extLst>
   </p:cSld>
@@ -5424,7 +5226,7 @@
           <p:cNvPr id="2" name="Title 1">
             <a:extLst>
               <a:ext uri="{FF2B5EF4-FFF2-40B4-BE49-F238E27FC236}">
-                <a16:creationId xmlns:a16="http://schemas.microsoft.com/office/drawing/2014/main" id="{DA12FCDB-5857-42AE-9A87-D9369BF4B355}"/>
+                <a16:creationId xmlns:a16="http://schemas.microsoft.com/office/drawing/2014/main" id="{9225AD55-3C25-41C9-B645-47C7016AAE09}"/>
               </a:ext>
             </a:extLst>
           </p:cNvPr>
@@ -5442,8 +5244,16 @@
           <a:p>
             <a:r>
               <a:rPr lang="en-US" dirty="0"/>
-              <a:t>Top Ten Countries</a:t>
-            </a:r>
+              <a:t>Heat Map of Countries</a:t>
+            </a:r>
+            <a:br>
+              <a:rPr lang="en-US" dirty="0"/>
+            </a:br>
+            <a:r>
+              <a:rPr lang="en-US" sz="2000" dirty="0"/>
+              <a:t>(number of objects)</a:t>
+            </a:r>
+            <a:endParaRPr lang="en-US" dirty="0"/>
           </a:p>
         </p:txBody>
       </p:sp>
@@ -5452,7 +5262,7 @@
           <p:cNvPr id="5" name="Content Placeholder 4">
             <a:extLst>
               <a:ext uri="{FF2B5EF4-FFF2-40B4-BE49-F238E27FC236}">
-                <a16:creationId xmlns:a16="http://schemas.microsoft.com/office/drawing/2014/main" id="{CD6233E9-0183-4C41-BA57-9EEE83FB8954}"/>
+                <a16:creationId xmlns:a16="http://schemas.microsoft.com/office/drawing/2014/main" id="{7ED40A56-187F-4F99-B572-53D08DE35B57}"/>
               </a:ext>
             </a:extLst>
           </p:cNvPr>
@@ -5477,15 +5287,15 @@
         </p:blipFill>
         <p:spPr>
           <a:xfrm>
-            <a:off x="2192482" y="1398950"/>
-            <a:ext cx="7807036" cy="5204688"/>
+            <a:off x="80089" y="1647507"/>
+            <a:ext cx="12031822" cy="4707574"/>
           </a:xfrm>
         </p:spPr>
       </p:pic>
     </p:spTree>
     <p:extLst>
       <p:ext uri="{BB962C8B-B14F-4D97-AF65-F5344CB8AC3E}">
-        <p14:creationId xmlns:p14="http://schemas.microsoft.com/office/powerpoint/2010/main" val="2032696390"/>
+        <p14:creationId xmlns:p14="http://schemas.microsoft.com/office/powerpoint/2010/main" val="1303035349"/>
       </p:ext>
     </p:extLst>
   </p:cSld>
@@ -5525,7 +5335,7 @@
           <p:cNvPr id="2" name="Title 1">
             <a:extLst>
               <a:ext uri="{FF2B5EF4-FFF2-40B4-BE49-F238E27FC236}">
-                <a16:creationId xmlns:a16="http://schemas.microsoft.com/office/drawing/2014/main" id="{555D1F26-F171-4F89-9348-D8380221C40B}"/>
+                <a16:creationId xmlns:a16="http://schemas.microsoft.com/office/drawing/2014/main" id="{DA12FCDB-5857-42AE-9A87-D9369BF4B355}"/>
               </a:ext>
             </a:extLst>
           </p:cNvPr>
@@ -5538,24 +5348,22 @@
         </p:nvSpPr>
         <p:spPr/>
         <p:txBody>
-          <a:bodyPr>
-            <a:normAutofit/>
-          </a:bodyPr>
-          <a:lstStyle/>
-          <a:p>
-            <a:r>
-              <a:rPr lang="en-US" sz="3600" dirty="0"/>
-              <a:t>Select Countries: Vanuatu Breakdown by Object Type</a:t>
+          <a:bodyPr/>
+          <a:lstStyle/>
+          <a:p>
+            <a:r>
+              <a:rPr lang="en-US" dirty="0"/>
+              <a:t>Top Ten Countries</a:t>
             </a:r>
           </a:p>
         </p:txBody>
       </p:sp>
       <p:pic>
         <p:nvPicPr>
-          <p:cNvPr id="7" name="Content Placeholder 6">
-            <a:extLst>
-              <a:ext uri="{FF2B5EF4-FFF2-40B4-BE49-F238E27FC236}">
-                <a16:creationId xmlns:a16="http://schemas.microsoft.com/office/drawing/2014/main" id="{404C958D-46E2-4E55-95BD-3554D96E5E9B}"/>
+          <p:cNvPr id="5" name="Content Placeholder 4">
+            <a:extLst>
+              <a:ext uri="{FF2B5EF4-FFF2-40B4-BE49-F238E27FC236}">
+                <a16:creationId xmlns:a16="http://schemas.microsoft.com/office/drawing/2014/main" id="{CD6233E9-0183-4C41-BA57-9EEE83FB8954}"/>
               </a:ext>
             </a:extLst>
           </p:cNvPr>
@@ -5574,20 +5382,21 @@
               </a:ext>
             </a:extLst>
           </a:blip>
-          <a:srcRect/>
-          <a:stretch/>
+          <a:stretch>
+            <a:fillRect/>
+          </a:stretch>
         </p:blipFill>
         <p:spPr>
           <a:xfrm>
-            <a:off x="2545773" y="1243664"/>
-            <a:ext cx="6061360" cy="6061360"/>
+            <a:off x="2192482" y="1398950"/>
+            <a:ext cx="7807036" cy="5204688"/>
           </a:xfrm>
         </p:spPr>
       </p:pic>
     </p:spTree>
     <p:extLst>
       <p:ext uri="{BB962C8B-B14F-4D97-AF65-F5344CB8AC3E}">
-        <p14:creationId xmlns:p14="http://schemas.microsoft.com/office/powerpoint/2010/main" val="2015169826"/>
+        <p14:creationId xmlns:p14="http://schemas.microsoft.com/office/powerpoint/2010/main" val="2032696390"/>
       </p:ext>
     </p:extLst>
   </p:cSld>
@@ -5646,8 +5455,8 @@
           <a:lstStyle/>
           <a:p>
             <a:r>
-              <a:rPr lang="en-US" sz="4000" dirty="0"/>
-              <a:t>Select Countries: Japan Breakdown by Object Type</a:t>
+              <a:rPr lang="en-US" sz="3600" dirty="0"/>
+              <a:t>Select Countries: Vanuatu Breakdown by Object Type</a:t>
             </a:r>
           </a:p>
         </p:txBody>
@@ -5676,21 +5485,20 @@
               </a:ext>
             </a:extLst>
           </a:blip>
-          <a:stretch>
-            <a:fillRect/>
-          </a:stretch>
+          <a:srcRect/>
+          <a:stretch/>
         </p:blipFill>
         <p:spPr>
           <a:xfrm>
-            <a:off x="2358736" y="1684222"/>
-            <a:ext cx="6435436" cy="5173778"/>
+            <a:off x="2899064" y="1316186"/>
+            <a:ext cx="5292432" cy="5292432"/>
           </a:xfrm>
         </p:spPr>
       </p:pic>
     </p:spTree>
     <p:extLst>
       <p:ext uri="{BB962C8B-B14F-4D97-AF65-F5344CB8AC3E}">
-        <p14:creationId xmlns:p14="http://schemas.microsoft.com/office/powerpoint/2010/main" val="3165494617"/>
+        <p14:creationId xmlns:p14="http://schemas.microsoft.com/office/powerpoint/2010/main" val="2015169826"/>
       </p:ext>
     </p:extLst>
   </p:cSld>

--- a/The Metropolitan Museum of Art.pptx
+++ b/The Metropolitan Museum of Art.pptx
@@ -272,7 +272,7 @@
           <a:p>
             <a:fld id="{8FC04297-0A4E-4A07-84A0-4091E8BEFAFA}" type="datetimeFigureOut">
               <a:rPr lang="en-US" smtClean="0"/>
-              <a:t>2/4/2021</a:t>
+              <a:t>2/6/2021</a:t>
             </a:fld>
             <a:endParaRPr lang="en-US"/>
           </a:p>
@@ -470,7 +470,7 @@
           <a:p>
             <a:fld id="{8FC04297-0A4E-4A07-84A0-4091E8BEFAFA}" type="datetimeFigureOut">
               <a:rPr lang="en-US" smtClean="0"/>
-              <a:t>2/4/2021</a:t>
+              <a:t>2/6/2021</a:t>
             </a:fld>
             <a:endParaRPr lang="en-US"/>
           </a:p>
@@ -678,7 +678,7 @@
           <a:p>
             <a:fld id="{8FC04297-0A4E-4A07-84A0-4091E8BEFAFA}" type="datetimeFigureOut">
               <a:rPr lang="en-US" smtClean="0"/>
-              <a:t>2/4/2021</a:t>
+              <a:t>2/6/2021</a:t>
             </a:fld>
             <a:endParaRPr lang="en-US"/>
           </a:p>
@@ -876,7 +876,7 @@
           <a:p>
             <a:fld id="{8FC04297-0A4E-4A07-84A0-4091E8BEFAFA}" type="datetimeFigureOut">
               <a:rPr lang="en-US" smtClean="0"/>
-              <a:t>2/4/2021</a:t>
+              <a:t>2/6/2021</a:t>
             </a:fld>
             <a:endParaRPr lang="en-US"/>
           </a:p>
@@ -1151,7 +1151,7 @@
           <a:p>
             <a:fld id="{8FC04297-0A4E-4A07-84A0-4091E8BEFAFA}" type="datetimeFigureOut">
               <a:rPr lang="en-US" smtClean="0"/>
-              <a:t>2/4/2021</a:t>
+              <a:t>2/6/2021</a:t>
             </a:fld>
             <a:endParaRPr lang="en-US"/>
           </a:p>
@@ -1416,7 +1416,7 @@
           <a:p>
             <a:fld id="{8FC04297-0A4E-4A07-84A0-4091E8BEFAFA}" type="datetimeFigureOut">
               <a:rPr lang="en-US" smtClean="0"/>
-              <a:t>2/4/2021</a:t>
+              <a:t>2/6/2021</a:t>
             </a:fld>
             <a:endParaRPr lang="en-US"/>
           </a:p>
@@ -1828,7 +1828,7 @@
           <a:p>
             <a:fld id="{8FC04297-0A4E-4A07-84A0-4091E8BEFAFA}" type="datetimeFigureOut">
               <a:rPr lang="en-US" smtClean="0"/>
-              <a:t>2/4/2021</a:t>
+              <a:t>2/6/2021</a:t>
             </a:fld>
             <a:endParaRPr lang="en-US"/>
           </a:p>
@@ -1969,7 +1969,7 @@
           <a:p>
             <a:fld id="{8FC04297-0A4E-4A07-84A0-4091E8BEFAFA}" type="datetimeFigureOut">
               <a:rPr lang="en-US" smtClean="0"/>
-              <a:t>2/4/2021</a:t>
+              <a:t>2/6/2021</a:t>
             </a:fld>
             <a:endParaRPr lang="en-US"/>
           </a:p>
@@ -2082,7 +2082,7 @@
           <a:p>
             <a:fld id="{8FC04297-0A4E-4A07-84A0-4091E8BEFAFA}" type="datetimeFigureOut">
               <a:rPr lang="en-US" smtClean="0"/>
-              <a:t>2/4/2021</a:t>
+              <a:t>2/6/2021</a:t>
             </a:fld>
             <a:endParaRPr lang="en-US"/>
           </a:p>
@@ -2393,7 +2393,7 @@
           <a:p>
             <a:fld id="{8FC04297-0A4E-4A07-84A0-4091E8BEFAFA}" type="datetimeFigureOut">
               <a:rPr lang="en-US" smtClean="0"/>
-              <a:t>2/4/2021</a:t>
+              <a:t>2/6/2021</a:t>
             </a:fld>
             <a:endParaRPr lang="en-US"/>
           </a:p>
@@ -2681,7 +2681,7 @@
           <a:p>
             <a:fld id="{8FC04297-0A4E-4A07-84A0-4091E8BEFAFA}" type="datetimeFigureOut">
               <a:rPr lang="en-US" smtClean="0"/>
-              <a:t>2/4/2021</a:t>
+              <a:t>2/6/2021</a:t>
             </a:fld>
             <a:endParaRPr lang="en-US"/>
           </a:p>
@@ -2943,7 +2943,7 @@
           <a:p>
             <a:fld id="{8FC04297-0A4E-4A07-84A0-4091E8BEFAFA}" type="datetimeFigureOut">
               <a:rPr lang="en-US" smtClean="0"/>
-              <a:t>2/4/2021</a:t>
+              <a:t>2/6/2021</a:t>
             </a:fld>
             <a:endParaRPr lang="en-US"/>
           </a:p>
@@ -3346,6 +3346,21 @@
 <file path=ppt/slides/slide1.xml><?xml version="1.0" encoding="utf-8"?>
 <p:sld xmlns:a="http://schemas.openxmlformats.org/drawingml/2006/main" xmlns:r="http://schemas.openxmlformats.org/officeDocument/2006/relationships" xmlns:p="http://schemas.openxmlformats.org/presentationml/2006/main">
   <p:cSld>
+    <p:bg>
+      <p:bgPr>
+        <a:blipFill dpi="0" rotWithShape="1">
+          <a:blip r:embed="rId2">
+            <a:alphaModFix amt="76000"/>
+            <a:lum/>
+          </a:blip>
+          <a:srcRect/>
+          <a:stretch>
+            <a:fillRect/>
+          </a:stretch>
+        </a:blipFill>
+        <a:effectLst/>
+      </p:bgPr>
+    </p:bg>
     <p:spTree>
       <p:nvGrpSpPr>
         <p:cNvPr id="1" name=""/>
@@ -3533,11 +3548,78 @@
             <a:picLocks noGrp="1" noChangeAspect="1"/>
           </p:cNvPicPr>
           <p:nvPr>
-            <p:ph idx="1"/>
+            <p:ph sz="half" idx="2"/>
           </p:nvPr>
         </p:nvPicPr>
         <p:blipFill>
           <a:blip r:embed="rId2">
+            <a:extLst>
+              <a:ext uri="{28A0092B-C50C-407E-A947-70E740481C1C}">
+                <a14:useLocalDpi xmlns:a14="http://schemas.microsoft.com/office/drawing/2010/main" val="0"/>
+              </a:ext>
+            </a:extLst>
+          </a:blip>
+          <a:stretch/>
+        </p:blipFill>
+        <p:spPr>
+          <a:xfrm>
+            <a:off x="0" y="976602"/>
+            <a:ext cx="5881398" cy="5881398"/>
+          </a:xfrm>
+        </p:spPr>
+      </p:pic>
+      <p:sp>
+        <p:nvSpPr>
+          <p:cNvPr id="4" name="Text Placeholder 3">
+            <a:extLst>
+              <a:ext uri="{FF2B5EF4-FFF2-40B4-BE49-F238E27FC236}">
+                <a16:creationId xmlns:a16="http://schemas.microsoft.com/office/drawing/2014/main" id="{B465A47E-92B7-4892-BD97-A1CD22448CC4}"/>
+              </a:ext>
+            </a:extLst>
+          </p:cNvPr>
+          <p:cNvSpPr>
+            <a:spLocks noGrp="1"/>
+          </p:cNvSpPr>
+          <p:nvPr>
+            <p:ph type="body" sz="quarter" idx="3"/>
+          </p:nvPr>
+        </p:nvSpPr>
+        <p:spPr>
+          <a:xfrm>
+            <a:off x="6172200" y="1681163"/>
+            <a:ext cx="5183188" cy="438582"/>
+          </a:xfrm>
+        </p:spPr>
+        <p:txBody>
+          <a:bodyPr/>
+          <a:lstStyle/>
+          <a:p>
+            <a:pPr algn="ctr"/>
+            <a:r>
+              <a:rPr lang="en-US" dirty="0"/>
+              <a:t>Japanese Drum</a:t>
+            </a:r>
+          </a:p>
+        </p:txBody>
+      </p:sp>
+      <p:pic>
+        <p:nvPicPr>
+          <p:cNvPr id="8" name="Content Placeholder 7">
+            <a:extLst>
+              <a:ext uri="{FF2B5EF4-FFF2-40B4-BE49-F238E27FC236}">
+                <a16:creationId xmlns:a16="http://schemas.microsoft.com/office/drawing/2014/main" id="{DC0646DF-C902-4F52-BAC2-0A9B13F4F349}"/>
+              </a:ext>
+            </a:extLst>
+          </p:cNvPr>
+          <p:cNvPicPr>
+            <a:picLocks noGrp="1" noChangeAspect="1"/>
+          </p:cNvPicPr>
+          <p:nvPr>
+            <p:ph sz="quarter" idx="4"/>
+          </p:nvPr>
+        </p:nvPicPr>
+        <p:blipFill>
+          <a:blip r:embed="rId3">
             <a:extLst>
               <a:ext uri="{28A0092B-C50C-407E-A947-70E740481C1C}">
                 <a14:useLocalDpi xmlns:a14="http://schemas.microsoft.com/office/drawing/2010/main" val="0"/>
@@ -3550,9 +3632,12 @@
         </p:blipFill>
         <p:spPr>
           <a:xfrm>
-            <a:off x="2358736" y="1684222"/>
-            <a:ext cx="6435436" cy="5173778"/>
+            <a:off x="7289959" y="2119745"/>
+            <a:ext cx="2947670" cy="3684588"/>
           </a:xfrm>
+          <a:effectLst>
+            <a:softEdge rad="177800"/>
+          </a:effectLst>
         </p:spPr>
       </p:pic>
     </p:spTree>
@@ -3636,7 +3721,7 @@
             <a:picLocks noGrp="1" noChangeAspect="1"/>
           </p:cNvPicPr>
           <p:nvPr>
-            <p:ph idx="1"/>
+            <p:ph sz="half" idx="1"/>
           </p:nvPr>
         </p:nvPicPr>
         <p:blipFill>
@@ -3647,16 +3732,253 @@
               </a:ext>
             </a:extLst>
           </a:blip>
-          <a:srcRect/>
           <a:stretch/>
         </p:blipFill>
         <p:spPr>
           <a:xfrm>
-            <a:off x="2941924" y="1687455"/>
-            <a:ext cx="5269059" cy="5173778"/>
+            <a:off x="0" y="1389186"/>
+            <a:ext cx="5569526" cy="5468814"/>
           </a:xfrm>
         </p:spPr>
       </p:pic>
+      <p:pic>
+        <p:nvPicPr>
+          <p:cNvPr id="6" name="Content Placeholder 5">
+            <a:extLst>
+              <a:ext uri="{FF2B5EF4-FFF2-40B4-BE49-F238E27FC236}">
+                <a16:creationId xmlns:a16="http://schemas.microsoft.com/office/drawing/2014/main" id="{AFC1406E-B35D-430D-993D-641340249D50}"/>
+              </a:ext>
+            </a:extLst>
+          </p:cNvPr>
+          <p:cNvPicPr>
+            <a:picLocks noGrp="1" noChangeAspect="1"/>
+          </p:cNvPicPr>
+          <p:nvPr>
+            <p:ph sz="half" idx="2"/>
+          </p:nvPr>
+        </p:nvPicPr>
+        <p:blipFill>
+          <a:blip r:embed="rId3">
+            <a:extLst>
+              <a:ext uri="{28A0092B-C50C-407E-A947-70E740481C1C}">
+                <a14:useLocalDpi xmlns:a14="http://schemas.microsoft.com/office/drawing/2010/main" val="0"/>
+              </a:ext>
+            </a:extLst>
+          </a:blip>
+          <a:stretch>
+            <a:fillRect/>
+          </a:stretch>
+        </p:blipFill>
+        <p:spPr>
+          <a:xfrm>
+            <a:off x="7013865" y="1878653"/>
+            <a:ext cx="3498270" cy="4716770"/>
+          </a:xfrm>
+          <a:effectLst>
+            <a:softEdge rad="279400"/>
+          </a:effectLst>
+        </p:spPr>
+      </p:pic>
+      <p:sp>
+        <p:nvSpPr>
+          <p:cNvPr id="5" name="Text Placeholder 3">
+            <a:extLst>
+              <a:ext uri="{FF2B5EF4-FFF2-40B4-BE49-F238E27FC236}">
+                <a16:creationId xmlns:a16="http://schemas.microsoft.com/office/drawing/2014/main" id="{43C4324A-4435-452F-9B1C-50A0C511F3AE}"/>
+              </a:ext>
+            </a:extLst>
+          </p:cNvPr>
+          <p:cNvSpPr txBox="1">
+            <a:spLocks/>
+          </p:cNvSpPr>
+          <p:nvPr/>
+        </p:nvSpPr>
+        <p:spPr>
+          <a:xfrm>
+            <a:off x="6096000" y="1389186"/>
+            <a:ext cx="5183188" cy="438582"/>
+          </a:xfrm>
+          <a:prstGeom prst="rect">
+            <a:avLst/>
+          </a:prstGeom>
+        </p:spPr>
+        <p:txBody>
+          <a:bodyPr/>
+          <a:lstStyle>
+            <a:lvl1pPr marL="228600" indent="-228600" algn="l" defTabSz="914400" rtl="0" eaLnBrk="1" latinLnBrk="0" hangingPunct="1">
+              <a:lnSpc>
+                <a:spcPct val="90000"/>
+              </a:lnSpc>
+              <a:spcBef>
+                <a:spcPts val="1000"/>
+              </a:spcBef>
+              <a:buFont typeface="Arial" panose="020B0604020202020204" pitchFamily="34" charset="0"/>
+              <a:buChar char="•"/>
+              <a:defRPr sz="2800" kern="1200">
+                <a:solidFill>
+                  <a:schemeClr val="tx1"/>
+                </a:solidFill>
+                <a:latin typeface="+mn-lt"/>
+                <a:ea typeface="+mn-ea"/>
+                <a:cs typeface="+mn-cs"/>
+              </a:defRPr>
+            </a:lvl1pPr>
+            <a:lvl2pPr marL="685800" indent="-228600" algn="l" defTabSz="914400" rtl="0" eaLnBrk="1" latinLnBrk="0" hangingPunct="1">
+              <a:lnSpc>
+                <a:spcPct val="90000"/>
+              </a:lnSpc>
+              <a:spcBef>
+                <a:spcPts val="500"/>
+              </a:spcBef>
+              <a:buFont typeface="Arial" panose="020B0604020202020204" pitchFamily="34" charset="0"/>
+              <a:buChar char="•"/>
+              <a:defRPr sz="2400" kern="1200">
+                <a:solidFill>
+                  <a:schemeClr val="tx1"/>
+                </a:solidFill>
+                <a:latin typeface="+mn-lt"/>
+                <a:ea typeface="+mn-ea"/>
+                <a:cs typeface="+mn-cs"/>
+              </a:defRPr>
+            </a:lvl2pPr>
+            <a:lvl3pPr marL="1143000" indent="-228600" algn="l" defTabSz="914400" rtl="0" eaLnBrk="1" latinLnBrk="0" hangingPunct="1">
+              <a:lnSpc>
+                <a:spcPct val="90000"/>
+              </a:lnSpc>
+              <a:spcBef>
+                <a:spcPts val="500"/>
+              </a:spcBef>
+              <a:buFont typeface="Arial" panose="020B0604020202020204" pitchFamily="34" charset="0"/>
+              <a:buChar char="•"/>
+              <a:defRPr sz="2000" kern="1200">
+                <a:solidFill>
+                  <a:schemeClr val="tx1"/>
+                </a:solidFill>
+                <a:latin typeface="+mn-lt"/>
+                <a:ea typeface="+mn-ea"/>
+                <a:cs typeface="+mn-cs"/>
+              </a:defRPr>
+            </a:lvl3pPr>
+            <a:lvl4pPr marL="1600200" indent="-228600" algn="l" defTabSz="914400" rtl="0" eaLnBrk="1" latinLnBrk="0" hangingPunct="1">
+              <a:lnSpc>
+                <a:spcPct val="90000"/>
+              </a:lnSpc>
+              <a:spcBef>
+                <a:spcPts val="500"/>
+              </a:spcBef>
+              <a:buFont typeface="Arial" panose="020B0604020202020204" pitchFamily="34" charset="0"/>
+              <a:buChar char="•"/>
+              <a:defRPr sz="1800" kern="1200">
+                <a:solidFill>
+                  <a:schemeClr val="tx1"/>
+                </a:solidFill>
+                <a:latin typeface="+mn-lt"/>
+                <a:ea typeface="+mn-ea"/>
+                <a:cs typeface="+mn-cs"/>
+              </a:defRPr>
+            </a:lvl4pPr>
+            <a:lvl5pPr marL="2057400" indent="-228600" algn="l" defTabSz="914400" rtl="0" eaLnBrk="1" latinLnBrk="0" hangingPunct="1">
+              <a:lnSpc>
+                <a:spcPct val="90000"/>
+              </a:lnSpc>
+              <a:spcBef>
+                <a:spcPts val="500"/>
+              </a:spcBef>
+              <a:buFont typeface="Arial" panose="020B0604020202020204" pitchFamily="34" charset="0"/>
+              <a:buChar char="•"/>
+              <a:defRPr sz="1800" kern="1200">
+                <a:solidFill>
+                  <a:schemeClr val="tx1"/>
+                </a:solidFill>
+                <a:latin typeface="+mn-lt"/>
+                <a:ea typeface="+mn-ea"/>
+                <a:cs typeface="+mn-cs"/>
+              </a:defRPr>
+            </a:lvl5pPr>
+            <a:lvl6pPr marL="2514600" indent="-228600" algn="l" defTabSz="914400" rtl="0" eaLnBrk="1" latinLnBrk="0" hangingPunct="1">
+              <a:lnSpc>
+                <a:spcPct val="90000"/>
+              </a:lnSpc>
+              <a:spcBef>
+                <a:spcPts val="500"/>
+              </a:spcBef>
+              <a:buFont typeface="Arial" panose="020B0604020202020204" pitchFamily="34" charset="0"/>
+              <a:buChar char="•"/>
+              <a:defRPr sz="1800" kern="1200">
+                <a:solidFill>
+                  <a:schemeClr val="tx1"/>
+                </a:solidFill>
+                <a:latin typeface="+mn-lt"/>
+                <a:ea typeface="+mn-ea"/>
+                <a:cs typeface="+mn-cs"/>
+              </a:defRPr>
+            </a:lvl6pPr>
+            <a:lvl7pPr marL="2971800" indent="-228600" algn="l" defTabSz="914400" rtl="0" eaLnBrk="1" latinLnBrk="0" hangingPunct="1">
+              <a:lnSpc>
+                <a:spcPct val="90000"/>
+              </a:lnSpc>
+              <a:spcBef>
+                <a:spcPts val="500"/>
+              </a:spcBef>
+              <a:buFont typeface="Arial" panose="020B0604020202020204" pitchFamily="34" charset="0"/>
+              <a:buChar char="•"/>
+              <a:defRPr sz="1800" kern="1200">
+                <a:solidFill>
+                  <a:schemeClr val="tx1"/>
+                </a:solidFill>
+                <a:latin typeface="+mn-lt"/>
+                <a:ea typeface="+mn-ea"/>
+                <a:cs typeface="+mn-cs"/>
+              </a:defRPr>
+            </a:lvl7pPr>
+            <a:lvl8pPr marL="3429000" indent="-228600" algn="l" defTabSz="914400" rtl="0" eaLnBrk="1" latinLnBrk="0" hangingPunct="1">
+              <a:lnSpc>
+                <a:spcPct val="90000"/>
+              </a:lnSpc>
+              <a:spcBef>
+                <a:spcPts val="500"/>
+              </a:spcBef>
+              <a:buFont typeface="Arial" panose="020B0604020202020204" pitchFamily="34" charset="0"/>
+              <a:buChar char="•"/>
+              <a:defRPr sz="1800" kern="1200">
+                <a:solidFill>
+                  <a:schemeClr val="tx1"/>
+                </a:solidFill>
+                <a:latin typeface="+mn-lt"/>
+                <a:ea typeface="+mn-ea"/>
+                <a:cs typeface="+mn-cs"/>
+              </a:defRPr>
+            </a:lvl8pPr>
+            <a:lvl9pPr marL="3886200" indent="-228600" algn="l" defTabSz="914400" rtl="0" eaLnBrk="1" latinLnBrk="0" hangingPunct="1">
+              <a:lnSpc>
+                <a:spcPct val="90000"/>
+              </a:lnSpc>
+              <a:spcBef>
+                <a:spcPts val="500"/>
+              </a:spcBef>
+              <a:buFont typeface="Arial" panose="020B0604020202020204" pitchFamily="34" charset="0"/>
+              <a:buChar char="•"/>
+              <a:defRPr sz="1800" kern="1200">
+                <a:solidFill>
+                  <a:schemeClr val="tx1"/>
+                </a:solidFill>
+                <a:latin typeface="+mn-lt"/>
+                <a:ea typeface="+mn-ea"/>
+                <a:cs typeface="+mn-cs"/>
+              </a:defRPr>
+            </a:lvl9pPr>
+          </a:lstStyle>
+          <a:p>
+            <a:pPr marL="0" indent="0" algn="ctr">
+              <a:buNone/>
+            </a:pPr>
+            <a:r>
+              <a:rPr lang="en-US" dirty="0"/>
+              <a:t>Nigerian Mask </a:t>
+            </a:r>
+          </a:p>
+        </p:txBody>
+      </p:sp>
     </p:spTree>
     <p:extLst>
       <p:ext uri="{BB962C8B-B14F-4D97-AF65-F5344CB8AC3E}">
@@ -3738,11 +4060,78 @@
             <a:picLocks noGrp="1" noChangeAspect="1"/>
           </p:cNvPicPr>
           <p:nvPr>
-            <p:ph idx="1"/>
+            <p:ph sz="half" idx="2"/>
           </p:nvPr>
         </p:nvPicPr>
         <p:blipFill>
           <a:blip r:embed="rId2">
+            <a:extLst>
+              <a:ext uri="{28A0092B-C50C-407E-A947-70E740481C1C}">
+                <a14:useLocalDpi xmlns:a14="http://schemas.microsoft.com/office/drawing/2010/main" val="0"/>
+              </a:ext>
+            </a:extLst>
+          </a:blip>
+          <a:stretch/>
+        </p:blipFill>
+        <p:spPr>
+          <a:xfrm>
+            <a:off x="0" y="1163638"/>
+            <a:ext cx="5694362" cy="5694362"/>
+          </a:xfrm>
+        </p:spPr>
+      </p:pic>
+      <p:sp>
+        <p:nvSpPr>
+          <p:cNvPr id="5" name="Text Placeholder 4">
+            <a:extLst>
+              <a:ext uri="{FF2B5EF4-FFF2-40B4-BE49-F238E27FC236}">
+                <a16:creationId xmlns:a16="http://schemas.microsoft.com/office/drawing/2014/main" id="{6F9AF045-BEF1-43F0-928D-4CD85789195C}"/>
+              </a:ext>
+            </a:extLst>
+          </p:cNvPr>
+          <p:cNvSpPr>
+            <a:spLocks noGrp="1"/>
+          </p:cNvSpPr>
+          <p:nvPr>
+            <p:ph type="body" sz="quarter" idx="3"/>
+          </p:nvPr>
+        </p:nvSpPr>
+        <p:spPr>
+          <a:xfrm>
+            <a:off x="6172200" y="1681163"/>
+            <a:ext cx="5183188" cy="511319"/>
+          </a:xfrm>
+        </p:spPr>
+        <p:txBody>
+          <a:bodyPr/>
+          <a:lstStyle/>
+          <a:p>
+            <a:pPr algn="ctr"/>
+            <a:r>
+              <a:rPr lang="en-US" dirty="0"/>
+              <a:t>German Metalwork &amp; Glass</a:t>
+            </a:r>
+          </a:p>
+        </p:txBody>
+      </p:sp>
+      <p:pic>
+        <p:nvPicPr>
+          <p:cNvPr id="10" name="Content Placeholder 9">
+            <a:extLst>
+              <a:ext uri="{FF2B5EF4-FFF2-40B4-BE49-F238E27FC236}">
+                <a16:creationId xmlns:a16="http://schemas.microsoft.com/office/drawing/2014/main" id="{EA0FABC9-2326-4F59-B63D-FE9164E4A201}"/>
+              </a:ext>
+            </a:extLst>
+          </p:cNvPr>
+          <p:cNvPicPr>
+            <a:picLocks noGrp="1" noChangeAspect="1"/>
+          </p:cNvPicPr>
+          <p:nvPr>
+            <p:ph sz="quarter" idx="4"/>
+          </p:nvPr>
+        </p:nvPicPr>
+        <p:blipFill>
+          <a:blip r:embed="rId3">
             <a:extLst>
               <a:ext uri="{28A0092B-C50C-407E-A947-70E740481C1C}">
                 <a14:useLocalDpi xmlns:a14="http://schemas.microsoft.com/office/drawing/2010/main" val="0"/>
@@ -3754,9 +4143,45 @@
         </p:blipFill>
         <p:spPr>
           <a:xfrm>
-            <a:off x="2607031" y="1684222"/>
-            <a:ext cx="5938846" cy="5173778"/>
+            <a:off x="9112958" y="2348389"/>
+            <a:ext cx="2242430" cy="3587886"/>
           </a:xfrm>
+          <a:effectLst>
+            <a:softEdge rad="203200"/>
+          </a:effectLst>
+        </p:spPr>
+      </p:pic>
+      <p:pic>
+        <p:nvPicPr>
+          <p:cNvPr id="11" name="Picture 10">
+            <a:extLst>
+              <a:ext uri="{FF2B5EF4-FFF2-40B4-BE49-F238E27FC236}">
+                <a16:creationId xmlns:a16="http://schemas.microsoft.com/office/drawing/2014/main" id="{D8FC071A-9324-4C90-A94C-09EB1399F319}"/>
+              </a:ext>
+            </a:extLst>
+          </p:cNvPr>
+          <p:cNvPicPr>
+            <a:picLocks noChangeAspect="1"/>
+          </p:cNvPicPr>
+          <p:nvPr/>
+        </p:nvPicPr>
+        <p:blipFill>
+          <a:blip r:embed="rId4"/>
+          <a:stretch>
+            <a:fillRect/>
+          </a:stretch>
+        </p:blipFill>
+        <p:spPr>
+          <a:xfrm>
+            <a:off x="5850081" y="2393560"/>
+            <a:ext cx="2995968" cy="3003364"/>
+          </a:xfrm>
+          <a:prstGeom prst="rect">
+            <a:avLst/>
+          </a:prstGeom>
+          <a:effectLst>
+            <a:softEdge rad="165100"/>
+          </a:effectLst>
         </p:spPr>
       </p:pic>
     </p:spTree>
@@ -3777,9 +4202,16 @@
   <p:cSld>
     <p:bg>
       <p:bgPr>
-        <a:solidFill>
-          <a:schemeClr val="bg1"/>
-        </a:solidFill>
+        <a:blipFill dpi="0" rotWithShape="1">
+          <a:blip r:embed="rId2">
+            <a:alphaModFix amt="45000"/>
+            <a:lum/>
+          </a:blip>
+          <a:srcRect/>
+          <a:stretch>
+            <a:fillRect t="-7000" b="-7000"/>
+          </a:stretch>
+        </a:blipFill>
         <a:effectLst/>
       </p:bgPr>
     </p:bg>
@@ -3797,34 +4229,6 @@
           <a:chExt cx="0" cy="0"/>
         </a:xfrm>
       </p:grpSpPr>
-      <p:sp>
-        <p:nvSpPr>
-          <p:cNvPr id="2" name="Title 1">
-            <a:extLst>
-              <a:ext uri="{FF2B5EF4-FFF2-40B4-BE49-F238E27FC236}">
-                <a16:creationId xmlns:a16="http://schemas.microsoft.com/office/drawing/2014/main" id="{555D1F26-F171-4F89-9348-D8380221C40B}"/>
-              </a:ext>
-            </a:extLst>
-          </p:cNvPr>
-          <p:cNvSpPr>
-            <a:spLocks noGrp="1"/>
-          </p:cNvSpPr>
-          <p:nvPr>
-            <p:ph type="title"/>
-          </p:nvPr>
-        </p:nvSpPr>
-        <p:spPr/>
-        <p:txBody>
-          <a:bodyPr/>
-          <a:lstStyle/>
-          <a:p>
-            <a:r>
-              <a:rPr lang="en-US" dirty="0"/>
-              <a:t>Top Ten Patrons</a:t>
-            </a:r>
-          </a:p>
-        </p:txBody>
-      </p:sp>
       <p:pic>
         <p:nvPicPr>
           <p:cNvPr id="15" name="Content Placeholder 14">
@@ -3842,7 +4246,7 @@
           </p:nvPr>
         </p:nvPicPr>
         <p:blipFill>
-          <a:blip r:embed="rId2">
+          <a:blip r:embed="rId3">
             <a:extLst>
               <a:ext uri="{28A0092B-C50C-407E-A947-70E740481C1C}">
                 <a14:useLocalDpi xmlns:a14="http://schemas.microsoft.com/office/drawing/2010/main" val="0"/>
@@ -3855,11 +4259,50 @@
         </p:blipFill>
         <p:spPr>
           <a:xfrm>
-            <a:off x="1340427" y="1321797"/>
-            <a:ext cx="8181110" cy="5171078"/>
+            <a:off x="5426408" y="1520190"/>
+            <a:ext cx="6765592" cy="4276364"/>
+          </a:xfrm>
+          <a:effectLst>
+            <a:outerShdw blurRad="50800" dist="50800" dir="5400000" algn="ctr" rotWithShape="0">
+              <a:srgbClr val="000000"/>
+            </a:outerShdw>
+            <a:reflection stA="0" endPos="65000" dist="50800" dir="5400000" sy="-100000" algn="bl" rotWithShape="0"/>
+          </a:effectLst>
+        </p:spPr>
+      </p:pic>
+      <p:sp>
+        <p:nvSpPr>
+          <p:cNvPr id="2" name="Title 1">
+            <a:extLst>
+              <a:ext uri="{FF2B5EF4-FFF2-40B4-BE49-F238E27FC236}">
+                <a16:creationId xmlns:a16="http://schemas.microsoft.com/office/drawing/2014/main" id="{555D1F26-F171-4F89-9348-D8380221C40B}"/>
+              </a:ext>
+            </a:extLst>
+          </p:cNvPr>
+          <p:cNvSpPr>
+            <a:spLocks noGrp="1"/>
+          </p:cNvSpPr>
+          <p:nvPr>
+            <p:ph type="title"/>
+          </p:nvPr>
+        </p:nvSpPr>
+        <p:spPr>
+          <a:xfrm>
+            <a:off x="7212330" y="365125"/>
+            <a:ext cx="4141470" cy="1325563"/>
           </a:xfrm>
         </p:spPr>
-      </p:pic>
+        <p:txBody>
+          <a:bodyPr/>
+          <a:lstStyle/>
+          <a:p>
+            <a:r>
+              <a:rPr lang="en-US" b="1" dirty="0"/>
+              <a:t>Top Ten Patrons</a:t>
+            </a:r>
+          </a:p>
+        </p:txBody>
+      </p:sp>
     </p:spTree>
     <p:extLst>
       <p:ext uri="{BB962C8B-B14F-4D97-AF65-F5344CB8AC3E}">
@@ -3878,9 +4321,16 @@
   <p:cSld>
     <p:bg>
       <p:bgPr>
-        <a:solidFill>
-          <a:schemeClr val="bg1"/>
-        </a:solidFill>
+        <a:blipFill dpi="0" rotWithShape="1">
+          <a:blip r:embed="rId2">
+            <a:alphaModFix amt="40000"/>
+            <a:lum/>
+          </a:blip>
+          <a:srcRect/>
+          <a:stretch>
+            <a:fillRect t="-16000" b="-16000"/>
+          </a:stretch>
+        </a:blipFill>
         <a:effectLst/>
       </p:bgPr>
     </p:bg>
@@ -3914,7 +4364,14 @@
             <p:ph type="title"/>
           </p:nvPr>
         </p:nvSpPr>
-        <p:spPr/>
+        <p:spPr>
+          <a:solidFill>
+            <a:schemeClr val="bg2">
+              <a:lumMod val="90000"/>
+              <a:alpha val="46000"/>
+            </a:schemeClr>
+          </a:solidFill>
+        </p:spPr>
         <p:txBody>
           <a:bodyPr/>
           <a:lstStyle/>
@@ -3942,7 +4399,14 @@
             <p:ph idx="1"/>
           </p:nvPr>
         </p:nvSpPr>
-        <p:spPr/>
+        <p:spPr>
+          <a:solidFill>
+            <a:schemeClr val="bg2">
+              <a:lumMod val="90000"/>
+              <a:alpha val="50000"/>
+            </a:schemeClr>
+          </a:solidFill>
+        </p:spPr>
         <p:txBody>
           <a:bodyPr/>
           <a:lstStyle/>
@@ -4336,33 +4800,6 @@
               <a:t> </a:t>
             </a:r>
           </a:p>
-          <a:p>
-            <a:pPr marL="0" indent="0">
-              <a:buNone/>
-            </a:pPr>
-            <a:r>
-              <a:rPr lang="en-US" sz="1000" dirty="0"/>
-              <a:t>Image: Mandala of </a:t>
-            </a:r>
-            <a:r>
-              <a:rPr lang="en-US" sz="1000" dirty="0" err="1"/>
-              <a:t>Jnanadakini</a:t>
-            </a:r>
-            <a:r>
-              <a:rPr lang="en-US" sz="1000" dirty="0"/>
-              <a:t>, </a:t>
-            </a:r>
-            <a:r>
-              <a:rPr lang="en-US" sz="1000" dirty="0">
-                <a:hlinkClick r:id="rId4"/>
-              </a:rPr>
-              <a:t>https://www.metmuseum.org/art/collection/search/37802</a:t>
-            </a:r>
-            <a:r>
-              <a:rPr lang="en-US" sz="1000" dirty="0"/>
-              <a:t>  </a:t>
-            </a:r>
-          </a:p>
         </p:txBody>
       </p:sp>
     </p:spTree>
@@ -4473,7 +4910,7 @@
         </p:spPr>
         <p:txBody>
           <a:bodyPr>
-            <a:normAutofit lnSpcReduction="10000"/>
+            <a:normAutofit/>
           </a:bodyPr>
           <a:lstStyle/>
           <a:p>
@@ -4583,25 +5020,6 @@
               <a:buNone/>
             </a:pPr>
             <a:endParaRPr lang="en-US" sz="1100" dirty="0"/>
-          </a:p>
-          <a:p>
-            <a:pPr marL="0" indent="0">
-              <a:buNone/>
-            </a:pPr>
-            <a:r>
-              <a:rPr lang="en-US" sz="1100" dirty="0"/>
-              <a:t>Image: </a:t>
-            </a:r>
-            <a:r>
-              <a:rPr lang="en-US" sz="1100" dirty="0">
-                <a:hlinkClick r:id="rId3"/>
-              </a:rPr>
-              <a:t>https://www.metmuseum.org/blogs/digital-underground/2017/open-access-at-the-met</a:t>
-            </a:r>
-            <a:r>
-              <a:rPr lang="en-US" sz="1100" dirty="0"/>
-              <a:t>  </a:t>
-            </a:r>
           </a:p>
         </p:txBody>
       </p:sp>
@@ -4620,14 +5038,14 @@
           <p:nvPr>
             <p:extLst>
               <p:ext uri="{D42A27DB-BD31-4B8C-83A1-F6EECF244321}">
-                <p14:modId xmlns:p14="http://schemas.microsoft.com/office/powerpoint/2010/main" val="3228154605"/>
+                <p14:modId xmlns:p14="http://schemas.microsoft.com/office/powerpoint/2010/main" val="2921822682"/>
               </p:ext>
             </p:extLst>
           </p:nvPr>
         </p:nvGraphicFramePr>
         <p:xfrm>
-          <a:off x="1920240" y="1690688"/>
-          <a:ext cx="8351520" cy="4476830"/>
+          <a:off x="1920240" y="1541059"/>
+          <a:ext cx="8351520" cy="4603794"/>
         </p:xfrm>
         <a:graphic>
           <a:graphicData uri="http://schemas.openxmlformats.org/drawingml/2006/table">
@@ -4651,7 +5069,7 @@
                   </a:extLst>
                 </a:gridCol>
               </a:tblGrid>
-              <a:tr h="474742">
+              <a:tr h="416779">
                 <a:tc>
                   <a:txBody>
                     <a:bodyPr/>
@@ -4684,7 +5102,7 @@
                   </a:ext>
                 </a:extLst>
               </a:tr>
-              <a:tr h="474742">
+              <a:tr h="416779">
                 <a:tc>
                   <a:txBody>
                     <a:bodyPr/>
@@ -4717,7 +5135,7 @@
                   </a:ext>
                 </a:extLst>
               </a:tr>
-              <a:tr h="474742">
+              <a:tr h="416779">
                 <a:tc>
                   <a:txBody>
                     <a:bodyPr/>
@@ -4750,7 +5168,7 @@
                   </a:ext>
                 </a:extLst>
               </a:tr>
-              <a:tr h="474742">
+              <a:tr h="670671">
                 <a:tc>
                   <a:txBody>
                     <a:bodyPr/>
@@ -4783,7 +5201,7 @@
                   </a:ext>
                 </a:extLst>
               </a:tr>
-              <a:tr h="474742">
+              <a:tr h="416779">
                 <a:tc>
                   <a:txBody>
                     <a:bodyPr/>
@@ -4816,7 +5234,7 @@
                   </a:ext>
                 </a:extLst>
               </a:tr>
-              <a:tr h="474742">
+              <a:tr h="416779">
                 <a:tc>
                   <a:txBody>
                     <a:bodyPr/>
@@ -4849,7 +5267,7 @@
                   </a:ext>
                 </a:extLst>
               </a:tr>
-              <a:tr h="474742">
+              <a:tr h="670671">
                 <a:tc>
                   <a:txBody>
                     <a:bodyPr/>
@@ -4882,7 +5300,7 @@
                   </a:ext>
                 </a:extLst>
               </a:tr>
-              <a:tr h="474742">
+              <a:tr h="670671">
                 <a:tc>
                   <a:txBody>
                     <a:bodyPr/>
@@ -4915,6 +5333,39 @@
                   </a:ext>
                 </a:extLst>
               </a:tr>
+              <a:tr h="416779">
+                <a:tc>
+                  <a:txBody>
+                    <a:bodyPr/>
+                    <a:lstStyle/>
+                    <a:p>
+                      <a:r>
+                        <a:rPr lang="en-US" sz="2000" b="1" dirty="0"/>
+                        <a:t>Number of Patrons/Benefactors</a:t>
+                      </a:r>
+                    </a:p>
+                  </a:txBody>
+                  <a:tcPr/>
+                </a:tc>
+                <a:tc>
+                  <a:txBody>
+                    <a:bodyPr/>
+                    <a:lstStyle/>
+                    <a:p>
+                      <a:r>
+                        <a:rPr lang="en-US" sz="2000" b="1" dirty="0"/>
+                        <a:t>5,092</a:t>
+                      </a:r>
+                    </a:p>
+                  </a:txBody>
+                  <a:tcPr/>
+                </a:tc>
+                <a:extLst>
+                  <a:ext uri="{0D108BD9-81ED-4DB2-BD59-A6C34878D82A}">
+                    <a16:rowId xmlns:a16="http://schemas.microsoft.com/office/drawing/2014/main" val="1408283111"/>
+                  </a:ext>
+                </a:extLst>
+              </a:tr>
             </a:tbl>
           </a:graphicData>
         </a:graphic>
@@ -4937,9 +5388,16 @@
   <p:cSld>
     <p:bg>
       <p:bgPr>
-        <a:solidFill>
-          <a:schemeClr val="bg1"/>
-        </a:solidFill>
+        <a:blipFill dpi="0" rotWithShape="1">
+          <a:blip r:embed="rId2">
+            <a:alphaModFix amt="44000"/>
+            <a:lum/>
+          </a:blip>
+          <a:srcRect/>
+          <a:stretch>
+            <a:fillRect/>
+          </a:stretch>
+        </a:blipFill>
         <a:effectLst/>
       </p:bgPr>
     </p:bg>
@@ -4979,13 +5437,13 @@
           <a:lstStyle/>
           <a:p>
             <a:r>
-              <a:rPr lang="en-US" dirty="0"/>
+              <a:rPr lang="en-US" b="1" dirty="0"/>
               <a:t>Number of Objects per Country</a:t>
             </a:r>
             <a:br>
-              <a:rPr lang="en-US" dirty="0"/>
+              <a:rPr lang="en-US" b="1" dirty="0"/>
             </a:br>
-            <a:endParaRPr lang="en-US" sz="1000" dirty="0"/>
+            <a:endParaRPr lang="en-US" sz="1000" b="1" dirty="0"/>
           </a:p>
         </p:txBody>
       </p:sp>
@@ -5005,7 +5463,12 @@
             <p:ph idx="1"/>
           </p:nvPr>
         </p:nvSpPr>
-        <p:spPr/>
+        <p:spPr>
+          <a:xfrm>
+            <a:off x="1158240" y="1802765"/>
+            <a:ext cx="10515600" cy="4351338"/>
+          </a:xfrm>
+        </p:spPr>
         <p:txBody>
           <a:bodyPr>
             <a:normAutofit/>
@@ -5041,7 +5504,7 @@
             </a:pPr>
             <a:r>
               <a:rPr lang="en-US" sz="1000" dirty="0"/>
-              <a:t>(United States removed for scaling)</a:t>
+              <a:t>									         (United States removed for scaling)</a:t>
             </a:r>
           </a:p>
         </p:txBody>
@@ -5061,7 +5524,7 @@
           <p:nvPr/>
         </p:nvPicPr>
         <p:blipFill>
-          <a:blip r:embed="rId2">
+          <a:blip r:embed="rId3">
             <a:extLst>
               <a:ext uri="{28A0092B-C50C-407E-A947-70E740481C1C}">
                 <a14:useLocalDpi xmlns:a14="http://schemas.microsoft.com/office/drawing/2010/main" val="0"/>
@@ -5100,9 +5563,16 @@
   <p:cSld>
     <p:bg>
       <p:bgPr>
-        <a:solidFill>
-          <a:schemeClr val="bg1"/>
-        </a:solidFill>
+        <a:blipFill dpi="0" rotWithShape="1">
+          <a:blip r:embed="rId2">
+            <a:alphaModFix amt="44000"/>
+            <a:lum/>
+          </a:blip>
+          <a:srcRect/>
+          <a:stretch>
+            <a:fillRect t="-17000" b="-17000"/>
+          </a:stretch>
+        </a:blipFill>
         <a:effectLst/>
       </p:bgPr>
     </p:bg>
@@ -5142,7 +5612,7 @@
           <a:lstStyle/>
           <a:p>
             <a:r>
-              <a:rPr lang="en-US" dirty="0"/>
+              <a:rPr lang="en-US" b="1" dirty="0"/>
               <a:t>Top Ten Object Types</a:t>
             </a:r>
           </a:p>
@@ -5165,7 +5635,7 @@
           </p:nvPr>
         </p:nvPicPr>
         <p:blipFill>
-          <a:blip r:embed="rId2">
+          <a:blip r:embed="rId3">
             <a:extLst>
               <a:ext uri="{28A0092B-C50C-407E-A947-70E740481C1C}">
                 <a14:useLocalDpi xmlns:a14="http://schemas.microsoft.com/office/drawing/2010/main" val="0"/>
@@ -5201,9 +5671,16 @@
   <p:cSld>
     <p:bg>
       <p:bgPr>
-        <a:solidFill>
-          <a:schemeClr val="bg1"/>
-        </a:solidFill>
+        <a:blipFill dpi="0" rotWithShape="1">
+          <a:blip r:embed="rId2">
+            <a:alphaModFix amt="45000"/>
+            <a:lum/>
+          </a:blip>
+          <a:srcRect/>
+          <a:stretch>
+            <a:fillRect t="-69000" b="-69000"/>
+          </a:stretch>
+        </a:blipFill>
         <a:effectLst/>
       </p:bgPr>
     </p:bg>
@@ -5243,7 +5720,7 @@
           <a:lstStyle/>
           <a:p>
             <a:r>
-              <a:rPr lang="en-US" dirty="0"/>
+              <a:rPr lang="en-US" b="1" dirty="0"/>
               <a:t>Heat Map of Countries</a:t>
             </a:r>
             <a:br>
@@ -5251,7 +5728,7 @@
             </a:br>
             <a:r>
               <a:rPr lang="en-US" sz="2000" dirty="0"/>
-              <a:t>(number of objects)</a:t>
+              <a:t>(by number of objects)</a:t>
             </a:r>
             <a:endParaRPr lang="en-US" dirty="0"/>
           </a:p>
@@ -5274,7 +5751,7 @@
           </p:nvPr>
         </p:nvPicPr>
         <p:blipFill>
-          <a:blip r:embed="rId2">
+          <a:blip r:embed="rId3">
             <a:extLst>
               <a:ext uri="{28A0092B-C50C-407E-A947-70E740481C1C}">
                 <a14:useLocalDpi xmlns:a14="http://schemas.microsoft.com/office/drawing/2010/main" val="0"/>
@@ -5290,6 +5767,15 @@
             <a:off x="80089" y="1647507"/>
             <a:ext cx="12031822" cy="4707574"/>
           </a:xfrm>
+          <a:effectLst>
+            <a:glow rad="127000">
+              <a:schemeClr val="accent1"/>
+            </a:glow>
+            <a:outerShdw blurRad="50800" dist="50800" dir="5400000" algn="ctr" rotWithShape="0">
+              <a:srgbClr val="000000"/>
+            </a:outerShdw>
+            <a:reflection stA="6000" endPos="65000" dist="50800" dir="5400000" sy="-100000" algn="bl" rotWithShape="0"/>
+          </a:effectLst>
         </p:spPr>
       </p:pic>
     </p:spTree>
@@ -5310,9 +5796,16 @@
   <p:cSld>
     <p:bg>
       <p:bgPr>
-        <a:solidFill>
-          <a:schemeClr val="bg1"/>
-        </a:solidFill>
+        <a:blipFill dpi="0" rotWithShape="1">
+          <a:blip r:embed="rId2">
+            <a:alphaModFix amt="44000"/>
+            <a:lum/>
+          </a:blip>
+          <a:srcRect/>
+          <a:stretch>
+            <a:fillRect/>
+          </a:stretch>
+        </a:blipFill>
         <a:effectLst/>
       </p:bgPr>
     </p:bg>
@@ -5352,7 +5845,7 @@
           <a:lstStyle/>
           <a:p>
             <a:r>
-              <a:rPr lang="en-US" dirty="0"/>
+              <a:rPr lang="en-US" b="1" dirty="0"/>
               <a:t>Top Ten Countries</a:t>
             </a:r>
           </a:p>
@@ -5375,7 +5868,7 @@
           </p:nvPr>
         </p:nvPicPr>
         <p:blipFill>
-          <a:blip r:embed="rId2">
+          <a:blip r:embed="rId3">
             <a:extLst>
               <a:ext uri="{28A0092B-C50C-407E-A947-70E740481C1C}">
                 <a14:useLocalDpi xmlns:a14="http://schemas.microsoft.com/office/drawing/2010/main" val="0"/>
@@ -5474,7 +5967,7 @@
             <a:picLocks noGrp="1" noChangeAspect="1"/>
           </p:cNvPicPr>
           <p:nvPr>
-            <p:ph idx="1"/>
+            <p:ph sz="half" idx="2"/>
           </p:nvPr>
         </p:nvPicPr>
         <p:blipFill>
@@ -5485,14 +5978,90 @@
               </a:ext>
             </a:extLst>
           </a:blip>
-          <a:srcRect/>
           <a:stretch/>
         </p:blipFill>
         <p:spPr>
           <a:xfrm>
-            <a:off x="2899064" y="1316186"/>
-            <a:ext cx="5292432" cy="5292432"/>
+            <a:off x="0" y="1309110"/>
+            <a:ext cx="5548890" cy="5548890"/>
           </a:xfrm>
+        </p:spPr>
+      </p:pic>
+      <p:sp>
+        <p:nvSpPr>
+          <p:cNvPr id="4" name="Text Placeholder 3">
+            <a:extLst>
+              <a:ext uri="{FF2B5EF4-FFF2-40B4-BE49-F238E27FC236}">
+                <a16:creationId xmlns:a16="http://schemas.microsoft.com/office/drawing/2014/main" id="{B9A91CA8-FBE0-4977-B36B-6EF552F23B97}"/>
+              </a:ext>
+            </a:extLst>
+          </p:cNvPr>
+          <p:cNvSpPr>
+            <a:spLocks noGrp="1"/>
+          </p:cNvSpPr>
+          <p:nvPr>
+            <p:ph type="body" sz="quarter" idx="3"/>
+          </p:nvPr>
+        </p:nvSpPr>
+        <p:spPr>
+          <a:xfrm>
+            <a:off x="6169024" y="1440224"/>
+            <a:ext cx="5183188" cy="500928"/>
+          </a:xfrm>
+        </p:spPr>
+        <p:txBody>
+          <a:bodyPr/>
+          <a:lstStyle/>
+          <a:p>
+            <a:pPr algn="ctr"/>
+            <a:r>
+              <a:rPr lang="en-US" dirty="0"/>
+              <a:t>Vanuatu Platter</a:t>
+            </a:r>
+          </a:p>
+        </p:txBody>
+      </p:sp>
+      <p:pic>
+        <p:nvPicPr>
+          <p:cNvPr id="8" name="Content Placeholder 7">
+            <a:extLst>
+              <a:ext uri="{FF2B5EF4-FFF2-40B4-BE49-F238E27FC236}">
+                <a16:creationId xmlns:a16="http://schemas.microsoft.com/office/drawing/2014/main" id="{DA72BBB2-7B19-405D-974D-60C36B82BE7A}"/>
+              </a:ext>
+            </a:extLst>
+          </p:cNvPr>
+          <p:cNvPicPr>
+            <a:picLocks noGrp="1" noChangeAspect="1"/>
+          </p:cNvPicPr>
+          <p:nvPr>
+            <p:ph sz="quarter" idx="4"/>
+          </p:nvPr>
+        </p:nvPicPr>
+        <p:blipFill>
+          <a:blip r:embed="rId3">
+            <a:extLst>
+              <a:ext uri="{28A0092B-C50C-407E-A947-70E740481C1C}">
+                <a14:useLocalDpi xmlns:a14="http://schemas.microsoft.com/office/drawing/2010/main" val="0"/>
+              </a:ext>
+            </a:extLst>
+          </a:blip>
+          <a:stretch>
+            <a:fillRect/>
+          </a:stretch>
+        </p:blipFill>
+        <p:spPr>
+          <a:xfrm>
+            <a:off x="6974463" y="2007391"/>
+            <a:ext cx="3572310" cy="4763082"/>
+          </a:xfrm>
+          <a:effectLst>
+            <a:outerShdw blurRad="546100" dist="50800" dir="5400000" algn="ctr" rotWithShape="0">
+              <a:srgbClr val="000000">
+                <a:alpha val="43137"/>
+              </a:srgbClr>
+            </a:outerShdw>
+            <a:softEdge rad="215900"/>
+          </a:effectLst>
         </p:spPr>
       </p:pic>
     </p:spTree>

--- a/The Metropolitan Museum of Art.pptx
+++ b/The Metropolitan Museum of Art.pptx
@@ -5531,14 +5531,13 @@
               </a:ext>
             </a:extLst>
           </a:blip>
-          <a:stretch>
-            <a:fillRect/>
-          </a:stretch>
+          <a:srcRect/>
+          <a:stretch/>
         </p:blipFill>
         <p:spPr>
           <a:xfrm>
             <a:off x="608350" y="1599783"/>
-            <a:ext cx="10975300" cy="3658433"/>
+            <a:ext cx="10975299" cy="3658433"/>
           </a:xfrm>
           <a:prstGeom prst="rect">
             <a:avLst/>

--- a/The Metropolitan Museum of Art.pptx
+++ b/The Metropolitan Museum of Art.pptx
@@ -3449,8 +3449,16 @@
           </a:xfrm>
         </p:spPr>
         <p:txBody>
-          <a:bodyPr/>
-          <a:lstStyle/>
+          <a:bodyPr>
+            <a:normAutofit fontScale="85000" lnSpcReduction="20000"/>
+          </a:bodyPr>
+          <a:lstStyle/>
+          <a:p>
+            <a:r>
+              <a:rPr lang="en-US"/>
+              <a:t>February 6, 2021</a:t>
+            </a:r>
+          </a:p>
           <a:p>
             <a:r>
               <a:rPr lang="en-US" dirty="0"/>
